--- a/Module 1/module 1 chapter 3.pptx
+++ b/Module 1/module 1 chapter 3.pptx
@@ -5,7 +5,7 @@
     <p:sldMasterId id="2147483648" r:id="rId1"/>
   </p:sldMasterIdLst>
   <p:notesMasterIdLst>
-    <p:notesMasterId r:id="rId49"/>
+    <p:notesMasterId r:id="rId54"/>
   </p:notesMasterIdLst>
   <p:sldIdLst>
     <p:sldId id="256" r:id="rId2"/>
@@ -53,8 +53,13 @@
     <p:sldId id="305" r:id="rId44"/>
     <p:sldId id="303" r:id="rId45"/>
     <p:sldId id="304" r:id="rId46"/>
-    <p:sldId id="306" r:id="rId47"/>
-    <p:sldId id="307" r:id="rId48"/>
+    <p:sldId id="312" r:id="rId47"/>
+    <p:sldId id="313" r:id="rId48"/>
+    <p:sldId id="315" r:id="rId49"/>
+    <p:sldId id="311" r:id="rId50"/>
+    <p:sldId id="314" r:id="rId51"/>
+    <p:sldId id="306" r:id="rId52"/>
+    <p:sldId id="307" r:id="rId53"/>
   </p:sldIdLst>
   <p:sldSz cx="12192000" cy="6858000"/>
   <p:notesSz cx="6858000" cy="9144000"/>
@@ -405,7 +410,7 @@
           <a:p>
             <a:fld id="{69D67600-6670-4D77-9985-3F2005BC0F4D}" type="datetimeFigureOut">
               <a:rPr lang="en-IN" smtClean="0"/>
-              <a:t>20-03-2025</a:t>
+              <a:t>29-03-2025</a:t>
             </a:fld>
             <a:endParaRPr lang="en-IN"/>
           </a:p>
@@ -906,7 +911,7 @@
           <a:p>
             <a:fld id="{20D881F0-2557-4209-8D9C-4CE2631BE05B}" type="datetimeFigureOut">
               <a:rPr lang="en-IN" smtClean="0"/>
-              <a:t>20-03-2025</a:t>
+              <a:t>29-03-2025</a:t>
             </a:fld>
             <a:endParaRPr lang="en-IN"/>
           </a:p>
@@ -1106,7 +1111,7 @@
           <a:p>
             <a:fld id="{20D881F0-2557-4209-8D9C-4CE2631BE05B}" type="datetimeFigureOut">
               <a:rPr lang="en-IN" smtClean="0"/>
-              <a:t>20-03-2025</a:t>
+              <a:t>29-03-2025</a:t>
             </a:fld>
             <a:endParaRPr lang="en-IN"/>
           </a:p>
@@ -1316,7 +1321,7 @@
           <a:p>
             <a:fld id="{20D881F0-2557-4209-8D9C-4CE2631BE05B}" type="datetimeFigureOut">
               <a:rPr lang="en-IN" smtClean="0"/>
-              <a:t>20-03-2025</a:t>
+              <a:t>29-03-2025</a:t>
             </a:fld>
             <a:endParaRPr lang="en-IN"/>
           </a:p>
@@ -1516,7 +1521,7 @@
           <a:p>
             <a:fld id="{20D881F0-2557-4209-8D9C-4CE2631BE05B}" type="datetimeFigureOut">
               <a:rPr lang="en-IN" smtClean="0"/>
-              <a:t>20-03-2025</a:t>
+              <a:t>29-03-2025</a:t>
             </a:fld>
             <a:endParaRPr lang="en-IN"/>
           </a:p>
@@ -1792,7 +1797,7 @@
           <a:p>
             <a:fld id="{20D881F0-2557-4209-8D9C-4CE2631BE05B}" type="datetimeFigureOut">
               <a:rPr lang="en-IN" smtClean="0"/>
-              <a:t>20-03-2025</a:t>
+              <a:t>29-03-2025</a:t>
             </a:fld>
             <a:endParaRPr lang="en-IN"/>
           </a:p>
@@ -2060,7 +2065,7 @@
           <a:p>
             <a:fld id="{20D881F0-2557-4209-8D9C-4CE2631BE05B}" type="datetimeFigureOut">
               <a:rPr lang="en-IN" smtClean="0"/>
-              <a:t>20-03-2025</a:t>
+              <a:t>29-03-2025</a:t>
             </a:fld>
             <a:endParaRPr lang="en-IN"/>
           </a:p>
@@ -2475,7 +2480,7 @@
           <a:p>
             <a:fld id="{20D881F0-2557-4209-8D9C-4CE2631BE05B}" type="datetimeFigureOut">
               <a:rPr lang="en-IN" smtClean="0"/>
-              <a:t>20-03-2025</a:t>
+              <a:t>29-03-2025</a:t>
             </a:fld>
             <a:endParaRPr lang="en-IN"/>
           </a:p>
@@ -2617,7 +2622,7 @@
           <a:p>
             <a:fld id="{20D881F0-2557-4209-8D9C-4CE2631BE05B}" type="datetimeFigureOut">
               <a:rPr lang="en-IN" smtClean="0"/>
-              <a:t>20-03-2025</a:t>
+              <a:t>29-03-2025</a:t>
             </a:fld>
             <a:endParaRPr lang="en-IN"/>
           </a:p>
@@ -2730,7 +2735,7 @@
           <a:p>
             <a:fld id="{20D881F0-2557-4209-8D9C-4CE2631BE05B}" type="datetimeFigureOut">
               <a:rPr lang="en-IN" smtClean="0"/>
-              <a:t>20-03-2025</a:t>
+              <a:t>29-03-2025</a:t>
             </a:fld>
             <a:endParaRPr lang="en-IN"/>
           </a:p>
@@ -3043,7 +3048,7 @@
           <a:p>
             <a:fld id="{20D881F0-2557-4209-8D9C-4CE2631BE05B}" type="datetimeFigureOut">
               <a:rPr lang="en-IN" smtClean="0"/>
-              <a:t>20-03-2025</a:t>
+              <a:t>29-03-2025</a:t>
             </a:fld>
             <a:endParaRPr lang="en-IN"/>
           </a:p>
@@ -3332,7 +3337,7 @@
           <a:p>
             <a:fld id="{20D881F0-2557-4209-8D9C-4CE2631BE05B}" type="datetimeFigureOut">
               <a:rPr lang="en-IN" smtClean="0"/>
-              <a:t>20-03-2025</a:t>
+              <a:t>29-03-2025</a:t>
             </a:fld>
             <a:endParaRPr lang="en-IN"/>
           </a:p>
@@ -3575,7 +3580,7 @@
           <a:p>
             <a:fld id="{20D881F0-2557-4209-8D9C-4CE2631BE05B}" type="datetimeFigureOut">
               <a:rPr lang="en-IN" smtClean="0"/>
-              <a:t>20-03-2025</a:t>
+              <a:t>29-03-2025</a:t>
             </a:fld>
             <a:endParaRPr lang="en-IN"/>
           </a:p>
@@ -11481,7 +11486,13 @@
   <p:cSld>
     <p:spTree>
       <p:nvGrpSpPr>
-        <p:cNvPr id="1" name=""/>
+        <p:cNvPr id="1" name="">
+          <a:extLst>
+            <a:ext uri="{FF2B5EF4-FFF2-40B4-BE49-F238E27FC236}">
+              <a16:creationId xmlns:a16="http://schemas.microsoft.com/office/drawing/2014/main" id="{546F42DF-FC1F-189A-88D2-3FDF09060B3A}"/>
+            </a:ext>
+          </a:extLst>
+        </p:cNvPr>
         <p:cNvGrpSpPr/>
         <p:nvPr/>
       </p:nvGrpSpPr>
@@ -11498,7 +11509,7 @@
           <p:cNvPr id="2" name="Title 1">
             <a:extLst>
               <a:ext uri="{FF2B5EF4-FFF2-40B4-BE49-F238E27FC236}">
-                <a16:creationId xmlns:a16="http://schemas.microsoft.com/office/drawing/2014/main" id="{27AD400B-5D7F-5E68-7569-EE63C2D75713}"/>
+                <a16:creationId xmlns:a16="http://schemas.microsoft.com/office/drawing/2014/main" id="{AC537FEC-6B2E-B092-8152-881A3E49C56D}"/>
               </a:ext>
             </a:extLst>
           </p:cNvPr>
@@ -11511,105 +11522,132 @@
         </p:nvSpPr>
         <p:spPr>
           <a:xfrm>
-            <a:off x="258501" y="1"/>
-            <a:ext cx="11095300" cy="810227"/>
+            <a:off x="838200" y="0"/>
+            <a:ext cx="10515600" cy="973455"/>
           </a:xfrm>
         </p:spPr>
         <p:txBody>
-          <a:bodyPr/>
+          <a:bodyPr>
+            <a:normAutofit/>
+          </a:bodyPr>
           <a:lstStyle/>
           <a:p>
             <a:r>
-              <a:rPr lang="en-IN" b="1" dirty="0">
-                <a:latin typeface="Times New Roman" panose="02020603050405020304" pitchFamily="18" charset="0"/>
-                <a:cs typeface="Times New Roman" panose="02020603050405020304" pitchFamily="18" charset="0"/>
-              </a:rPr>
-              <a:t>Generalization</a:t>
-            </a:r>
-          </a:p>
-        </p:txBody>
-      </p:sp>
-      <p:sp>
-        <p:nvSpPr>
-          <p:cNvPr id="3" name="Content Placeholder 2">
-            <a:extLst>
-              <a:ext uri="{FF2B5EF4-FFF2-40B4-BE49-F238E27FC236}">
-                <a16:creationId xmlns:a16="http://schemas.microsoft.com/office/drawing/2014/main" id="{8B697ADB-FB78-B062-080A-7D56D3C56BB9}"/>
-              </a:ext>
-            </a:extLst>
-          </p:cNvPr>
-          <p:cNvSpPr>
-            <a:spLocks noGrp="1"/>
-          </p:cNvSpPr>
-          <p:nvPr>
-            <p:ph idx="1"/>
-          </p:nvPr>
-        </p:nvSpPr>
-        <p:spPr>
-          <a:xfrm>
-            <a:off x="258501" y="601884"/>
-            <a:ext cx="11674997" cy="5575079"/>
-          </a:xfrm>
-        </p:spPr>
-        <p:txBody>
-          <a:bodyPr/>
-          <a:lstStyle/>
-          <a:p>
-            <a:pPr>
-              <a:lnSpc>
-                <a:spcPct val="150000"/>
-              </a:lnSpc>
-            </a:pPr>
-            <a:r>
-              <a:rPr lang="en-IN" sz="3200" b="1" dirty="0">
-                <a:latin typeface="Times New Roman" panose="02020603050405020304" pitchFamily="18" charset="0"/>
-                <a:cs typeface="Times New Roman" panose="02020603050405020304" pitchFamily="18" charset="0"/>
-              </a:rPr>
-              <a:t>Bottom up approach </a:t>
-            </a:r>
-            <a:r>
-              <a:rPr lang="en-IN" sz="3200" dirty="0">
-                <a:latin typeface="Times New Roman" panose="02020603050405020304" pitchFamily="18" charset="0"/>
-                <a:cs typeface="Times New Roman" panose="02020603050405020304" pitchFamily="18" charset="0"/>
-              </a:rPr>
-              <a:t>where two lower level entities combine to form a higher level entity.</a:t>
-            </a:r>
-          </a:p>
-          <a:p>
-            <a:endParaRPr lang="en-IN" dirty="0"/>
+              <a:rPr lang="en-US" sz="3600" b="1" dirty="0">
+                <a:effectLst/>
+                <a:latin typeface="Times New Roman" panose="02020603050405020304" pitchFamily="18" charset="0"/>
+                <a:ea typeface="Times New Roman" panose="02020603050405020304" pitchFamily="18" charset="0"/>
+              </a:rPr>
+              <a:t>Notation</a:t>
+            </a:r>
+            <a:r>
+              <a:rPr lang="en-US" sz="3600" b="1" spc="-20" dirty="0">
+                <a:effectLst/>
+                <a:latin typeface="Times New Roman" panose="02020603050405020304" pitchFamily="18" charset="0"/>
+                <a:ea typeface="Times New Roman" panose="02020603050405020304" pitchFamily="18" charset="0"/>
+              </a:rPr>
+              <a:t> </a:t>
+            </a:r>
+            <a:r>
+              <a:rPr lang="en-US" sz="3600" b="1" dirty="0">
+                <a:effectLst/>
+                <a:latin typeface="Times New Roman" panose="02020603050405020304" pitchFamily="18" charset="0"/>
+                <a:ea typeface="Times New Roman" panose="02020603050405020304" pitchFamily="18" charset="0"/>
+              </a:rPr>
+              <a:t>for</a:t>
+            </a:r>
+            <a:r>
+              <a:rPr lang="en-US" sz="3600" b="1" spc="15" dirty="0">
+                <a:effectLst/>
+                <a:latin typeface="Times New Roman" panose="02020603050405020304" pitchFamily="18" charset="0"/>
+                <a:ea typeface="Times New Roman" panose="02020603050405020304" pitchFamily="18" charset="0"/>
+              </a:rPr>
+              <a:t> </a:t>
+            </a:r>
+            <a:r>
+              <a:rPr lang="en-US" sz="3600" b="1" dirty="0">
+                <a:effectLst/>
+                <a:latin typeface="Times New Roman" panose="02020603050405020304" pitchFamily="18" charset="0"/>
+                <a:ea typeface="Times New Roman" panose="02020603050405020304" pitchFamily="18" charset="0"/>
+              </a:rPr>
+              <a:t>ER</a:t>
+            </a:r>
+            <a:r>
+              <a:rPr lang="en-US" sz="3600" b="1" spc="10" dirty="0">
+                <a:effectLst/>
+                <a:latin typeface="Times New Roman" panose="02020603050405020304" pitchFamily="18" charset="0"/>
+                <a:ea typeface="Times New Roman" panose="02020603050405020304" pitchFamily="18" charset="0"/>
+              </a:rPr>
+              <a:t> </a:t>
+            </a:r>
+            <a:r>
+              <a:rPr lang="en-US" sz="3600" b="1" spc="-10" dirty="0">
+                <a:effectLst/>
+                <a:latin typeface="Times New Roman" panose="02020603050405020304" pitchFamily="18" charset="0"/>
+                <a:ea typeface="Times New Roman" panose="02020603050405020304" pitchFamily="18" charset="0"/>
+              </a:rPr>
+              <a:t>Diagrams</a:t>
+            </a:r>
+            <a:endParaRPr lang="en-IN" sz="3600" b="1" dirty="0"/>
           </a:p>
         </p:txBody>
       </p:sp>
       <p:pic>
         <p:nvPicPr>
-          <p:cNvPr id="5" name="Picture 4">
-            <a:extLst>
-              <a:ext uri="{FF2B5EF4-FFF2-40B4-BE49-F238E27FC236}">
-                <a16:creationId xmlns:a16="http://schemas.microsoft.com/office/drawing/2014/main" id="{1A0D6FA3-2AA8-3F8C-EE87-A812FC6D127D}"/>
+          <p:cNvPr id="4" name="Image 802">
+            <a:extLst>
+              <a:ext uri="{FF2B5EF4-FFF2-40B4-BE49-F238E27FC236}">
+                <a16:creationId xmlns:a16="http://schemas.microsoft.com/office/drawing/2014/main" id="{04BF7DFF-A384-1B9B-AB3E-8517A15E9A52}"/>
               </a:ext>
             </a:extLst>
           </p:cNvPr>
           <p:cNvPicPr>
-            <a:picLocks noChangeAspect="1"/>
+            <a:picLocks noGrp="1"/>
           </p:cNvPicPr>
-          <p:nvPr/>
+          <p:nvPr>
+            <p:ph idx="1"/>
+          </p:nvPr>
         </p:nvPicPr>
         <p:blipFill>
-          <a:blip r:embed="rId2">
-            <a:extLst>
-              <a:ext uri="{28A0092B-C50C-407E-A947-70E740481C1C}">
-                <a14:useLocalDpi xmlns:a14="http://schemas.microsoft.com/office/drawing/2010/main" val="0"/>
-              </a:ext>
-            </a:extLst>
-          </a:blip>
+          <a:blip r:embed="rId2" cstate="print"/>
           <a:stretch>
             <a:fillRect/>
           </a:stretch>
         </p:blipFill>
         <p:spPr>
           <a:xfrm>
-            <a:off x="4907666" y="1886672"/>
-            <a:ext cx="7284334" cy="4884518"/>
+            <a:off x="468086" y="1412688"/>
+            <a:ext cx="6215743" cy="5205826"/>
+          </a:xfrm>
+          <a:prstGeom prst="rect">
+            <a:avLst/>
+          </a:prstGeom>
+        </p:spPr>
+      </p:pic>
+      <p:pic>
+        <p:nvPicPr>
+          <p:cNvPr id="5" name="Image 803">
+            <a:extLst>
+              <a:ext uri="{FF2B5EF4-FFF2-40B4-BE49-F238E27FC236}">
+                <a16:creationId xmlns:a16="http://schemas.microsoft.com/office/drawing/2014/main" id="{BA71940B-6D76-F5EB-6111-2A97614EE71A}"/>
+              </a:ext>
+            </a:extLst>
+          </p:cNvPr>
+          <p:cNvPicPr>
+            <a:picLocks/>
+          </p:cNvPicPr>
+          <p:nvPr/>
+        </p:nvPicPr>
+        <p:blipFill>
+          <a:blip r:embed="rId3" cstate="print"/>
+          <a:stretch>
+            <a:fillRect/>
+          </a:stretch>
+        </p:blipFill>
+        <p:spPr>
+          <a:xfrm>
+            <a:off x="6096000" y="1839686"/>
+            <a:ext cx="5627914" cy="2754085"/>
           </a:xfrm>
           <a:prstGeom prst="rect">
             <a:avLst/>
@@ -11619,7 +11657,7 @@
     </p:spTree>
     <p:extLst>
       <p:ext uri="{BB962C8B-B14F-4D97-AF65-F5344CB8AC3E}">
-        <p14:creationId xmlns:p14="http://schemas.microsoft.com/office/powerpoint/2010/main" val="136296771"/>
+        <p14:creationId xmlns:p14="http://schemas.microsoft.com/office/powerpoint/2010/main" val="923586987"/>
       </p:ext>
     </p:extLst>
   </p:cSld>
@@ -11630,6 +11668,175 @@
 </file>
 
 <file path=ppt/slides/slide47.xml><?xml version="1.0" encoding="utf-8"?>
+<p:sld xmlns:a="http://schemas.openxmlformats.org/drawingml/2006/main" xmlns:r="http://schemas.openxmlformats.org/officeDocument/2006/relationships" xmlns:p="http://schemas.openxmlformats.org/presentationml/2006/main">
+  <p:cSld>
+    <p:spTree>
+      <p:nvGrpSpPr>
+        <p:cNvPr id="1" name="">
+          <a:extLst>
+            <a:ext uri="{FF2B5EF4-FFF2-40B4-BE49-F238E27FC236}">
+              <a16:creationId xmlns:a16="http://schemas.microsoft.com/office/drawing/2014/main" id="{60E96838-5A60-899E-8171-13583CC63C55}"/>
+            </a:ext>
+          </a:extLst>
+        </p:cNvPr>
+        <p:cNvGrpSpPr/>
+        <p:nvPr/>
+      </p:nvGrpSpPr>
+      <p:grpSpPr>
+        <a:xfrm>
+          <a:off x="0" y="0"/>
+          <a:ext cx="0" cy="0"/>
+          <a:chOff x="0" y="0"/>
+          <a:chExt cx="0" cy="0"/>
+        </a:xfrm>
+      </p:grpSpPr>
+      <p:pic>
+        <p:nvPicPr>
+          <p:cNvPr id="6" name="Image 816">
+            <a:extLst>
+              <a:ext uri="{FF2B5EF4-FFF2-40B4-BE49-F238E27FC236}">
+                <a16:creationId xmlns:a16="http://schemas.microsoft.com/office/drawing/2014/main" id="{4211C4E8-2317-76C7-2085-DA9F1DF53CAF}"/>
+              </a:ext>
+            </a:extLst>
+          </p:cNvPr>
+          <p:cNvPicPr>
+            <a:picLocks noGrp="1"/>
+          </p:cNvPicPr>
+          <p:nvPr>
+            <p:ph idx="1"/>
+          </p:nvPr>
+        </p:nvPicPr>
+        <p:blipFill>
+          <a:blip r:embed="rId2" cstate="print"/>
+          <a:stretch>
+            <a:fillRect/>
+          </a:stretch>
+        </p:blipFill>
+        <p:spPr>
+          <a:xfrm>
+            <a:off x="1295400" y="0"/>
+            <a:ext cx="9797143" cy="6858000"/>
+          </a:xfrm>
+          <a:prstGeom prst="rect">
+            <a:avLst/>
+          </a:prstGeom>
+        </p:spPr>
+      </p:pic>
+    </p:spTree>
+    <p:extLst>
+      <p:ext uri="{BB962C8B-B14F-4D97-AF65-F5344CB8AC3E}">
+        <p14:creationId xmlns:p14="http://schemas.microsoft.com/office/powerpoint/2010/main" val="293339710"/>
+      </p:ext>
+    </p:extLst>
+  </p:cSld>
+  <p:clrMapOvr>
+    <a:masterClrMapping/>
+  </p:clrMapOvr>
+</p:sld>
+</file>
+
+<file path=ppt/slides/slide48.xml><?xml version="1.0" encoding="utf-8"?>
+<p:sld xmlns:a="http://schemas.openxmlformats.org/drawingml/2006/main" xmlns:r="http://schemas.openxmlformats.org/officeDocument/2006/relationships" xmlns:p="http://schemas.openxmlformats.org/presentationml/2006/main">
+  <p:cSld>
+    <p:spTree>
+      <p:nvGrpSpPr>
+        <p:cNvPr id="1" name="">
+          <a:extLst>
+            <a:ext uri="{FF2B5EF4-FFF2-40B4-BE49-F238E27FC236}">
+              <a16:creationId xmlns:a16="http://schemas.microsoft.com/office/drawing/2014/main" id="{8867A50F-16CB-F7D0-8E5F-F2A8F4FF5A8B}"/>
+            </a:ext>
+          </a:extLst>
+        </p:cNvPr>
+        <p:cNvGrpSpPr/>
+        <p:nvPr/>
+      </p:nvGrpSpPr>
+      <p:grpSpPr>
+        <a:xfrm>
+          <a:off x="0" y="0"/>
+          <a:ext cx="0" cy="0"/>
+          <a:chOff x="0" y="0"/>
+          <a:chExt cx="0" cy="0"/>
+        </a:xfrm>
+      </p:grpSpPr>
+      <p:sp>
+        <p:nvSpPr>
+          <p:cNvPr id="2" name="Title 1">
+            <a:extLst>
+              <a:ext uri="{FF2B5EF4-FFF2-40B4-BE49-F238E27FC236}">
+                <a16:creationId xmlns:a16="http://schemas.microsoft.com/office/drawing/2014/main" id="{117D8989-0F35-5B11-AA5E-49B031998722}"/>
+              </a:ext>
+            </a:extLst>
+          </p:cNvPr>
+          <p:cNvSpPr>
+            <a:spLocks noGrp="1"/>
+          </p:cNvSpPr>
+          <p:nvPr>
+            <p:ph type="title"/>
+          </p:nvPr>
+        </p:nvSpPr>
+        <p:spPr>
+          <a:xfrm>
+            <a:off x="374753" y="1"/>
+            <a:ext cx="11647357" cy="914400"/>
+          </a:xfrm>
+        </p:spPr>
+        <p:txBody>
+          <a:bodyPr>
+            <a:normAutofit fontScale="90000"/>
+          </a:bodyPr>
+          <a:lstStyle/>
+          <a:p>
+            <a:r>
+              <a:rPr lang="en-IN" b="1" dirty="0"/>
+              <a:t>A relational database schema for a LIBRARY database.</a:t>
+            </a:r>
+          </a:p>
+        </p:txBody>
+      </p:sp>
+      <p:pic>
+        <p:nvPicPr>
+          <p:cNvPr id="5" name="Picture 4">
+            <a:extLst>
+              <a:ext uri="{FF2B5EF4-FFF2-40B4-BE49-F238E27FC236}">
+                <a16:creationId xmlns:a16="http://schemas.microsoft.com/office/drawing/2014/main" id="{BC95633D-7609-877C-5FB7-EFC6A68929A1}"/>
+              </a:ext>
+            </a:extLst>
+          </p:cNvPr>
+          <p:cNvPicPr>
+            <a:picLocks noChangeAspect="1"/>
+          </p:cNvPicPr>
+          <p:nvPr/>
+        </p:nvPicPr>
+        <p:blipFill>
+          <a:blip r:embed="rId2"/>
+          <a:stretch>
+            <a:fillRect/>
+          </a:stretch>
+        </p:blipFill>
+        <p:spPr>
+          <a:xfrm>
+            <a:off x="374753" y="894996"/>
+            <a:ext cx="4482059" cy="5787512"/>
+          </a:xfrm>
+          <a:prstGeom prst="rect">
+            <a:avLst/>
+          </a:prstGeom>
+        </p:spPr>
+      </p:pic>
+    </p:spTree>
+    <p:extLst>
+      <p:ext uri="{BB962C8B-B14F-4D97-AF65-F5344CB8AC3E}">
+        <p14:creationId xmlns:p14="http://schemas.microsoft.com/office/powerpoint/2010/main" val="366114697"/>
+      </p:ext>
+    </p:extLst>
+  </p:cSld>
+  <p:clrMapOvr>
+    <a:masterClrMapping/>
+  </p:clrMapOvr>
+</p:sld>
+</file>
+
+<file path=ppt/slides/slide49.xml><?xml version="1.0" encoding="utf-8"?>
 <p:sld xmlns:a="http://schemas.openxmlformats.org/drawingml/2006/main" xmlns:r="http://schemas.openxmlformats.org/officeDocument/2006/relationships" xmlns:p="http://schemas.openxmlformats.org/presentationml/2006/main">
   <p:cSld>
     <p:spTree>
@@ -11651,7 +11858,7 @@
           <p:cNvPr id="2" name="Title 1">
             <a:extLst>
               <a:ext uri="{FF2B5EF4-FFF2-40B4-BE49-F238E27FC236}">
-                <a16:creationId xmlns:a16="http://schemas.microsoft.com/office/drawing/2014/main" id="{40C1838D-B493-DA17-678E-7FD95442409E}"/>
+                <a16:creationId xmlns:a16="http://schemas.microsoft.com/office/drawing/2014/main" id="{E6CA469A-410C-9F95-C793-F4677C22FB5C}"/>
               </a:ext>
             </a:extLst>
           </p:cNvPr>
@@ -11664,77 +11871,17 @@
         </p:nvSpPr>
         <p:spPr>
           <a:xfrm>
-            <a:off x="381965" y="0"/>
-            <a:ext cx="10971835" cy="763929"/>
-          </a:xfrm>
-        </p:spPr>
-        <p:txBody>
-          <a:bodyPr>
-            <a:normAutofit/>
-          </a:bodyPr>
-          <a:lstStyle/>
-          <a:p>
-            <a:r>
-              <a:rPr lang="en-IN" b="1" dirty="0">
-                <a:latin typeface="Times New Roman" panose="02020603050405020304" pitchFamily="18" charset="0"/>
-                <a:cs typeface="Times New Roman" panose="02020603050405020304" pitchFamily="18" charset="0"/>
-              </a:rPr>
-              <a:t>Specialization</a:t>
-            </a:r>
-          </a:p>
-        </p:txBody>
-      </p:sp>
-      <p:sp>
-        <p:nvSpPr>
-          <p:cNvPr id="3" name="Content Placeholder 2">
-            <a:extLst>
-              <a:ext uri="{FF2B5EF4-FFF2-40B4-BE49-F238E27FC236}">
-                <a16:creationId xmlns:a16="http://schemas.microsoft.com/office/drawing/2014/main" id="{B9225B04-4E1D-3EAA-ACDB-68BFB4DA6AED}"/>
-              </a:ext>
-            </a:extLst>
-          </p:cNvPr>
-          <p:cNvSpPr>
-            <a:spLocks noGrp="1"/>
-          </p:cNvSpPr>
-          <p:nvPr>
-            <p:ph idx="1"/>
-          </p:nvPr>
-        </p:nvSpPr>
-        <p:spPr>
-          <a:xfrm>
-            <a:off x="381965" y="544010"/>
-            <a:ext cx="11227443" cy="5632953"/>
+            <a:off x="374754" y="1"/>
+            <a:ext cx="10140846" cy="914400"/>
           </a:xfrm>
         </p:spPr>
         <p:txBody>
           <a:bodyPr/>
           <a:lstStyle/>
           <a:p>
-            <a:pPr>
-              <a:lnSpc>
-                <a:spcPct val="150000"/>
-              </a:lnSpc>
-            </a:pPr>
-            <a:r>
-              <a:rPr lang="en-IN" sz="3200" b="1" dirty="0">
-                <a:latin typeface="Times New Roman" panose="02020603050405020304" pitchFamily="18" charset="0"/>
-                <a:cs typeface="Times New Roman" panose="02020603050405020304" pitchFamily="18" charset="0"/>
-              </a:rPr>
-              <a:t>Top down approach </a:t>
-            </a:r>
-            <a:r>
-              <a:rPr lang="en-IN" sz="3200" dirty="0">
-                <a:latin typeface="Times New Roman" panose="02020603050405020304" pitchFamily="18" charset="0"/>
-                <a:cs typeface="Times New Roman" panose="02020603050405020304" pitchFamily="18" charset="0"/>
-              </a:rPr>
-              <a:t>where it defines set of subclasses of an entity type</a:t>
-            </a:r>
-            <a:r>
-              <a:rPr lang="en-IN" dirty="0">
-                <a:latin typeface="Times New Roman" panose="02020603050405020304" pitchFamily="18" charset="0"/>
-                <a:cs typeface="Times New Roman" panose="02020603050405020304" pitchFamily="18" charset="0"/>
-              </a:rPr>
-              <a:t>.</a:t>
+            <a:r>
+              <a:rPr lang="en-IN" dirty="0"/>
+              <a:t>Company Database – ER Diagram</a:t>
             </a:r>
           </a:p>
         </p:txBody>
@@ -11744,7 +11891,7 @@
           <p:cNvPr id="5" name="Picture 4">
             <a:extLst>
               <a:ext uri="{FF2B5EF4-FFF2-40B4-BE49-F238E27FC236}">
-                <a16:creationId xmlns:a16="http://schemas.microsoft.com/office/drawing/2014/main" id="{3F409D44-F84C-D037-E5A6-D9AC0A513E4B}"/>
+                <a16:creationId xmlns:a16="http://schemas.microsoft.com/office/drawing/2014/main" id="{0E8D5A14-AAD6-8073-4CDD-805701BDBFD2}"/>
               </a:ext>
             </a:extLst>
           </p:cNvPr>
@@ -11754,21 +11901,15 @@
           <p:nvPr/>
         </p:nvPicPr>
         <p:blipFill>
-          <a:blip r:embed="rId2">
-            <a:extLst>
-              <a:ext uri="{28A0092B-C50C-407E-A947-70E740481C1C}">
-                <a14:useLocalDpi xmlns:a14="http://schemas.microsoft.com/office/drawing/2010/main" val="0"/>
-              </a:ext>
-            </a:extLst>
-          </a:blip>
+          <a:blip r:embed="rId2"/>
           <a:stretch>
             <a:fillRect/>
           </a:stretch>
         </p:blipFill>
         <p:spPr>
           <a:xfrm>
-            <a:off x="2812647" y="2152891"/>
-            <a:ext cx="9136283" cy="4543062"/>
+            <a:off x="1952469" y="914401"/>
+            <a:ext cx="6985416" cy="5733312"/>
           </a:xfrm>
           <a:prstGeom prst="rect">
             <a:avLst/>
@@ -11778,7 +11919,7 @@
     </p:spTree>
     <p:extLst>
       <p:ext uri="{BB962C8B-B14F-4D97-AF65-F5344CB8AC3E}">
-        <p14:creationId xmlns:p14="http://schemas.microsoft.com/office/powerpoint/2010/main" val="3611413365"/>
+        <p14:creationId xmlns:p14="http://schemas.microsoft.com/office/powerpoint/2010/main" val="3414114235"/>
       </p:ext>
     </p:extLst>
   </p:cSld>
@@ -11899,6 +12040,417 @@
     <p:extLst>
       <p:ext uri="{BB962C8B-B14F-4D97-AF65-F5344CB8AC3E}">
         <p14:creationId xmlns:p14="http://schemas.microsoft.com/office/powerpoint/2010/main" val="3996161104"/>
+      </p:ext>
+    </p:extLst>
+  </p:cSld>
+  <p:clrMapOvr>
+    <a:masterClrMapping/>
+  </p:clrMapOvr>
+</p:sld>
+</file>
+
+<file path=ppt/slides/slide50.xml><?xml version="1.0" encoding="utf-8"?>
+<p:sld xmlns:a="http://schemas.openxmlformats.org/drawingml/2006/main" xmlns:r="http://schemas.openxmlformats.org/officeDocument/2006/relationships" xmlns:p="http://schemas.openxmlformats.org/presentationml/2006/main">
+  <p:cSld>
+    <p:spTree>
+      <p:nvGrpSpPr>
+        <p:cNvPr id="1" name="">
+          <a:extLst>
+            <a:ext uri="{FF2B5EF4-FFF2-40B4-BE49-F238E27FC236}">
+              <a16:creationId xmlns:a16="http://schemas.microsoft.com/office/drawing/2014/main" id="{DE64736E-7030-4755-10FF-DD0604986AB3}"/>
+            </a:ext>
+          </a:extLst>
+        </p:cNvPr>
+        <p:cNvGrpSpPr/>
+        <p:nvPr/>
+      </p:nvGrpSpPr>
+      <p:grpSpPr>
+        <a:xfrm>
+          <a:off x="0" y="0"/>
+          <a:ext cx="0" cy="0"/>
+          <a:chOff x="0" y="0"/>
+          <a:chExt cx="0" cy="0"/>
+        </a:xfrm>
+      </p:grpSpPr>
+      <p:sp>
+        <p:nvSpPr>
+          <p:cNvPr id="2" name="Title 1">
+            <a:extLst>
+              <a:ext uri="{FF2B5EF4-FFF2-40B4-BE49-F238E27FC236}">
+                <a16:creationId xmlns:a16="http://schemas.microsoft.com/office/drawing/2014/main" id="{1A7CAB01-3B25-2B23-C57F-68ED59F14F41}"/>
+              </a:ext>
+            </a:extLst>
+          </p:cNvPr>
+          <p:cNvSpPr>
+            <a:spLocks noGrp="1"/>
+          </p:cNvSpPr>
+          <p:nvPr>
+            <p:ph type="title"/>
+          </p:nvPr>
+        </p:nvSpPr>
+        <p:spPr>
+          <a:xfrm>
+            <a:off x="374754" y="1"/>
+            <a:ext cx="10140846" cy="914400"/>
+          </a:xfrm>
+        </p:spPr>
+        <p:txBody>
+          <a:bodyPr/>
+          <a:lstStyle/>
+          <a:p>
+            <a:r>
+              <a:rPr lang="en-IN" dirty="0"/>
+              <a:t>Bank Database – ER Diagram</a:t>
+            </a:r>
+          </a:p>
+        </p:txBody>
+      </p:sp>
+      <p:pic>
+        <p:nvPicPr>
+          <p:cNvPr id="4" name="Picture 3">
+            <a:extLst>
+              <a:ext uri="{FF2B5EF4-FFF2-40B4-BE49-F238E27FC236}">
+                <a16:creationId xmlns:a16="http://schemas.microsoft.com/office/drawing/2014/main" id="{3A3458D5-E7B6-45B8-4937-ADACE31BF17C}"/>
+              </a:ext>
+            </a:extLst>
+          </p:cNvPr>
+          <p:cNvPicPr>
+            <a:picLocks noChangeAspect="1"/>
+          </p:cNvPicPr>
+          <p:nvPr/>
+        </p:nvPicPr>
+        <p:blipFill>
+          <a:blip r:embed="rId2"/>
+          <a:stretch>
+            <a:fillRect/>
+          </a:stretch>
+        </p:blipFill>
+        <p:spPr>
+          <a:xfrm>
+            <a:off x="2283205" y="854803"/>
+            <a:ext cx="6860796" cy="6003196"/>
+          </a:xfrm>
+          <a:prstGeom prst="rect">
+            <a:avLst/>
+          </a:prstGeom>
+        </p:spPr>
+      </p:pic>
+    </p:spTree>
+    <p:extLst>
+      <p:ext uri="{BB962C8B-B14F-4D97-AF65-F5344CB8AC3E}">
+        <p14:creationId xmlns:p14="http://schemas.microsoft.com/office/powerpoint/2010/main" val="3265327912"/>
+      </p:ext>
+    </p:extLst>
+  </p:cSld>
+  <p:clrMapOvr>
+    <a:masterClrMapping/>
+  </p:clrMapOvr>
+</p:sld>
+</file>
+
+<file path=ppt/slides/slide51.xml><?xml version="1.0" encoding="utf-8"?>
+<p:sld xmlns:a="http://schemas.openxmlformats.org/drawingml/2006/main" xmlns:r="http://schemas.openxmlformats.org/officeDocument/2006/relationships" xmlns:p="http://schemas.openxmlformats.org/presentationml/2006/main">
+  <p:cSld>
+    <p:spTree>
+      <p:nvGrpSpPr>
+        <p:cNvPr id="1" name=""/>
+        <p:cNvGrpSpPr/>
+        <p:nvPr/>
+      </p:nvGrpSpPr>
+      <p:grpSpPr>
+        <a:xfrm>
+          <a:off x="0" y="0"/>
+          <a:ext cx="0" cy="0"/>
+          <a:chOff x="0" y="0"/>
+          <a:chExt cx="0" cy="0"/>
+        </a:xfrm>
+      </p:grpSpPr>
+      <p:sp>
+        <p:nvSpPr>
+          <p:cNvPr id="2" name="Title 1">
+            <a:extLst>
+              <a:ext uri="{FF2B5EF4-FFF2-40B4-BE49-F238E27FC236}">
+                <a16:creationId xmlns:a16="http://schemas.microsoft.com/office/drawing/2014/main" id="{27AD400B-5D7F-5E68-7569-EE63C2D75713}"/>
+              </a:ext>
+            </a:extLst>
+          </p:cNvPr>
+          <p:cNvSpPr>
+            <a:spLocks noGrp="1"/>
+          </p:cNvSpPr>
+          <p:nvPr>
+            <p:ph type="title"/>
+          </p:nvPr>
+        </p:nvSpPr>
+        <p:spPr>
+          <a:xfrm>
+            <a:off x="258501" y="1"/>
+            <a:ext cx="11095300" cy="810227"/>
+          </a:xfrm>
+        </p:spPr>
+        <p:txBody>
+          <a:bodyPr/>
+          <a:lstStyle/>
+          <a:p>
+            <a:r>
+              <a:rPr lang="en-IN" b="1" dirty="0">
+                <a:latin typeface="Times New Roman" panose="02020603050405020304" pitchFamily="18" charset="0"/>
+                <a:cs typeface="Times New Roman" panose="02020603050405020304" pitchFamily="18" charset="0"/>
+              </a:rPr>
+              <a:t>Generalization</a:t>
+            </a:r>
+          </a:p>
+        </p:txBody>
+      </p:sp>
+      <p:sp>
+        <p:nvSpPr>
+          <p:cNvPr id="3" name="Content Placeholder 2">
+            <a:extLst>
+              <a:ext uri="{FF2B5EF4-FFF2-40B4-BE49-F238E27FC236}">
+                <a16:creationId xmlns:a16="http://schemas.microsoft.com/office/drawing/2014/main" id="{8B697ADB-FB78-B062-080A-7D56D3C56BB9}"/>
+              </a:ext>
+            </a:extLst>
+          </p:cNvPr>
+          <p:cNvSpPr>
+            <a:spLocks noGrp="1"/>
+          </p:cNvSpPr>
+          <p:nvPr>
+            <p:ph idx="1"/>
+          </p:nvPr>
+        </p:nvSpPr>
+        <p:spPr>
+          <a:xfrm>
+            <a:off x="258501" y="601884"/>
+            <a:ext cx="11674997" cy="5575079"/>
+          </a:xfrm>
+        </p:spPr>
+        <p:txBody>
+          <a:bodyPr/>
+          <a:lstStyle/>
+          <a:p>
+            <a:pPr>
+              <a:lnSpc>
+                <a:spcPct val="150000"/>
+              </a:lnSpc>
+            </a:pPr>
+            <a:r>
+              <a:rPr lang="en-IN" sz="3200" b="1" dirty="0">
+                <a:latin typeface="Times New Roman" panose="02020603050405020304" pitchFamily="18" charset="0"/>
+                <a:cs typeface="Times New Roman" panose="02020603050405020304" pitchFamily="18" charset="0"/>
+              </a:rPr>
+              <a:t>Bottom up approach </a:t>
+            </a:r>
+            <a:r>
+              <a:rPr lang="en-IN" sz="3200" dirty="0">
+                <a:latin typeface="Times New Roman" panose="02020603050405020304" pitchFamily="18" charset="0"/>
+                <a:cs typeface="Times New Roman" panose="02020603050405020304" pitchFamily="18" charset="0"/>
+              </a:rPr>
+              <a:t>where two lower level entities combine to form a higher level entity.</a:t>
+            </a:r>
+          </a:p>
+          <a:p>
+            <a:endParaRPr lang="en-IN" dirty="0"/>
+          </a:p>
+        </p:txBody>
+      </p:sp>
+      <p:pic>
+        <p:nvPicPr>
+          <p:cNvPr id="5" name="Picture 4">
+            <a:extLst>
+              <a:ext uri="{FF2B5EF4-FFF2-40B4-BE49-F238E27FC236}">
+                <a16:creationId xmlns:a16="http://schemas.microsoft.com/office/drawing/2014/main" id="{1A0D6FA3-2AA8-3F8C-EE87-A812FC6D127D}"/>
+              </a:ext>
+            </a:extLst>
+          </p:cNvPr>
+          <p:cNvPicPr>
+            <a:picLocks noChangeAspect="1"/>
+          </p:cNvPicPr>
+          <p:nvPr/>
+        </p:nvPicPr>
+        <p:blipFill>
+          <a:blip r:embed="rId2">
+            <a:extLst>
+              <a:ext uri="{28A0092B-C50C-407E-A947-70E740481C1C}">
+                <a14:useLocalDpi xmlns:a14="http://schemas.microsoft.com/office/drawing/2010/main" val="0"/>
+              </a:ext>
+            </a:extLst>
+          </a:blip>
+          <a:stretch>
+            <a:fillRect/>
+          </a:stretch>
+        </p:blipFill>
+        <p:spPr>
+          <a:xfrm>
+            <a:off x="4907666" y="1886672"/>
+            <a:ext cx="7284334" cy="4884518"/>
+          </a:xfrm>
+          <a:prstGeom prst="rect">
+            <a:avLst/>
+          </a:prstGeom>
+        </p:spPr>
+      </p:pic>
+    </p:spTree>
+    <p:extLst>
+      <p:ext uri="{BB962C8B-B14F-4D97-AF65-F5344CB8AC3E}">
+        <p14:creationId xmlns:p14="http://schemas.microsoft.com/office/powerpoint/2010/main" val="136296771"/>
+      </p:ext>
+    </p:extLst>
+  </p:cSld>
+  <p:clrMapOvr>
+    <a:masterClrMapping/>
+  </p:clrMapOvr>
+</p:sld>
+</file>
+
+<file path=ppt/slides/slide52.xml><?xml version="1.0" encoding="utf-8"?>
+<p:sld xmlns:a="http://schemas.openxmlformats.org/drawingml/2006/main" xmlns:r="http://schemas.openxmlformats.org/officeDocument/2006/relationships" xmlns:p="http://schemas.openxmlformats.org/presentationml/2006/main">
+  <p:cSld>
+    <p:spTree>
+      <p:nvGrpSpPr>
+        <p:cNvPr id="1" name=""/>
+        <p:cNvGrpSpPr/>
+        <p:nvPr/>
+      </p:nvGrpSpPr>
+      <p:grpSpPr>
+        <a:xfrm>
+          <a:off x="0" y="0"/>
+          <a:ext cx="0" cy="0"/>
+          <a:chOff x="0" y="0"/>
+          <a:chExt cx="0" cy="0"/>
+        </a:xfrm>
+      </p:grpSpPr>
+      <p:sp>
+        <p:nvSpPr>
+          <p:cNvPr id="2" name="Title 1">
+            <a:extLst>
+              <a:ext uri="{FF2B5EF4-FFF2-40B4-BE49-F238E27FC236}">
+                <a16:creationId xmlns:a16="http://schemas.microsoft.com/office/drawing/2014/main" id="{40C1838D-B493-DA17-678E-7FD95442409E}"/>
+              </a:ext>
+            </a:extLst>
+          </p:cNvPr>
+          <p:cNvSpPr>
+            <a:spLocks noGrp="1"/>
+          </p:cNvSpPr>
+          <p:nvPr>
+            <p:ph type="title"/>
+          </p:nvPr>
+        </p:nvSpPr>
+        <p:spPr>
+          <a:xfrm>
+            <a:off x="381965" y="0"/>
+            <a:ext cx="10971835" cy="763929"/>
+          </a:xfrm>
+        </p:spPr>
+        <p:txBody>
+          <a:bodyPr>
+            <a:normAutofit/>
+          </a:bodyPr>
+          <a:lstStyle/>
+          <a:p>
+            <a:r>
+              <a:rPr lang="en-IN" b="1" dirty="0">
+                <a:latin typeface="Times New Roman" panose="02020603050405020304" pitchFamily="18" charset="0"/>
+                <a:cs typeface="Times New Roman" panose="02020603050405020304" pitchFamily="18" charset="0"/>
+              </a:rPr>
+              <a:t>Specialization</a:t>
+            </a:r>
+          </a:p>
+        </p:txBody>
+      </p:sp>
+      <p:sp>
+        <p:nvSpPr>
+          <p:cNvPr id="3" name="Content Placeholder 2">
+            <a:extLst>
+              <a:ext uri="{FF2B5EF4-FFF2-40B4-BE49-F238E27FC236}">
+                <a16:creationId xmlns:a16="http://schemas.microsoft.com/office/drawing/2014/main" id="{B9225B04-4E1D-3EAA-ACDB-68BFB4DA6AED}"/>
+              </a:ext>
+            </a:extLst>
+          </p:cNvPr>
+          <p:cNvSpPr>
+            <a:spLocks noGrp="1"/>
+          </p:cNvSpPr>
+          <p:nvPr>
+            <p:ph idx="1"/>
+          </p:nvPr>
+        </p:nvSpPr>
+        <p:spPr>
+          <a:xfrm>
+            <a:off x="381965" y="544010"/>
+            <a:ext cx="11227443" cy="5632953"/>
+          </a:xfrm>
+        </p:spPr>
+        <p:txBody>
+          <a:bodyPr/>
+          <a:lstStyle/>
+          <a:p>
+            <a:pPr>
+              <a:lnSpc>
+                <a:spcPct val="150000"/>
+              </a:lnSpc>
+            </a:pPr>
+            <a:r>
+              <a:rPr lang="en-IN" sz="3200" b="1" dirty="0">
+                <a:latin typeface="Times New Roman" panose="02020603050405020304" pitchFamily="18" charset="0"/>
+                <a:cs typeface="Times New Roman" panose="02020603050405020304" pitchFamily="18" charset="0"/>
+              </a:rPr>
+              <a:t>Top down approach </a:t>
+            </a:r>
+            <a:r>
+              <a:rPr lang="en-IN" sz="3200" dirty="0">
+                <a:latin typeface="Times New Roman" panose="02020603050405020304" pitchFamily="18" charset="0"/>
+                <a:cs typeface="Times New Roman" panose="02020603050405020304" pitchFamily="18" charset="0"/>
+              </a:rPr>
+              <a:t>where it defines set of subclasses of an entity type</a:t>
+            </a:r>
+            <a:r>
+              <a:rPr lang="en-IN" dirty="0">
+                <a:latin typeface="Times New Roman" panose="02020603050405020304" pitchFamily="18" charset="0"/>
+                <a:cs typeface="Times New Roman" panose="02020603050405020304" pitchFamily="18" charset="0"/>
+              </a:rPr>
+              <a:t>.</a:t>
+            </a:r>
+          </a:p>
+        </p:txBody>
+      </p:sp>
+      <p:pic>
+        <p:nvPicPr>
+          <p:cNvPr id="5" name="Picture 4">
+            <a:extLst>
+              <a:ext uri="{FF2B5EF4-FFF2-40B4-BE49-F238E27FC236}">
+                <a16:creationId xmlns:a16="http://schemas.microsoft.com/office/drawing/2014/main" id="{3F409D44-F84C-D037-E5A6-D9AC0A513E4B}"/>
+              </a:ext>
+            </a:extLst>
+          </p:cNvPr>
+          <p:cNvPicPr>
+            <a:picLocks noChangeAspect="1"/>
+          </p:cNvPicPr>
+          <p:nvPr/>
+        </p:nvPicPr>
+        <p:blipFill>
+          <a:blip r:embed="rId2">
+            <a:extLst>
+              <a:ext uri="{28A0092B-C50C-407E-A947-70E740481C1C}">
+                <a14:useLocalDpi xmlns:a14="http://schemas.microsoft.com/office/drawing/2010/main" val="0"/>
+              </a:ext>
+            </a:extLst>
+          </a:blip>
+          <a:stretch>
+            <a:fillRect/>
+          </a:stretch>
+        </p:blipFill>
+        <p:spPr>
+          <a:xfrm>
+            <a:off x="2812647" y="2152891"/>
+            <a:ext cx="9136283" cy="4543062"/>
+          </a:xfrm>
+          <a:prstGeom prst="rect">
+            <a:avLst/>
+          </a:prstGeom>
+        </p:spPr>
+      </p:pic>
+    </p:spTree>
+    <p:extLst>
+      <p:ext uri="{BB962C8B-B14F-4D97-AF65-F5344CB8AC3E}">
+        <p14:creationId xmlns:p14="http://schemas.microsoft.com/office/powerpoint/2010/main" val="3611413365"/>
       </p:ext>
     </p:extLst>
   </p:cSld>
